--- a/res/PresentacioIconesTaulerTrivial.pptx
+++ b/res/PresentacioIconesTaulerTrivial.pptx
@@ -13,6 +13,12 @@
     <p:sldId id="261" r:id="rId8"/>
     <p:sldId id="262" r:id="rId9"/>
     <p:sldId id="263" r:id="rId10"/>
+    <p:sldId id="264" r:id="rId11"/>
+    <p:sldId id="265" r:id="rId12"/>
+    <p:sldId id="266" r:id="rId13"/>
+    <p:sldId id="267" r:id="rId14"/>
+    <p:sldId id="268" r:id="rId15"/>
+    <p:sldId id="269" r:id="rId16"/>
   </p:sldIdLst>
   <p:sldSz cx="10800000" cy="10800000"/>
   <p:notesSz cx="10800000" cy="10800000"/>
@@ -3210,6 +3216,316 @@
           <a:chExt cx="0" cy="0"/>
         </a:xfrm>
       </p:grpSpPr>
+    </p:spTree>
+  </p:cSld>
+  <p:clrMapOvr>
+    <a:masterClrMapping/>
+  </p:clrMapOvr>
+  <mc:AlternateContent xmlns:mc="http://schemas.openxmlformats.org/markup-compatibility/2006">
+    <mc:Choice xmlns:p14="http://schemas.microsoft.com/office/powerpoint/2010/main" Requires="p14">
+      <p:transition p14:dur="2000" advClick="1"/>
+    </mc:Choice>
+    <mc:Fallback>
+      <p:transition advClick="1"/>
+    </mc:Fallback>
+  </mc:AlternateContent>
+</p:sld>
+</file>
+
+<file path=ppt/slides/slide10.xml><?xml version="1.0" encoding="utf-8"?>
+<p:sld xmlns:a="http://schemas.openxmlformats.org/drawingml/2006/main" xmlns:r="http://schemas.openxmlformats.org/officeDocument/2006/relationships" xmlns:p="http://schemas.openxmlformats.org/presentationml/2006/main" xmlns:m="http://schemas.openxmlformats.org/officeDocument/2006/math" xmlns:w="http://schemas.openxmlformats.org/wordprocessingml/2006/main" showMasterPhAnim="0" show="1">
+  <p:cSld name="">
+    <p:bg>
+      <p:bgPr shadeToTitle="0">
+        <a:solidFill>
+          <a:srgbClr val="7E4A3F"/>
+        </a:solidFill>
+      </p:bgPr>
+    </p:bg>
+    <p:spTree>
+      <p:nvGrpSpPr>
+        <p:cNvPr id="1" name=""/>
+        <p:cNvGrpSpPr/>
+        <p:nvPr/>
+      </p:nvGrpSpPr>
+      <p:grpSpPr bwMode="auto">
+        <a:xfrm>
+          <a:off x="0" y="0"/>
+          <a:ext cx="0" cy="0"/>
+          <a:chOff x="0" y="0"/>
+          <a:chExt cx="0" cy="0"/>
+        </a:xfrm>
+      </p:grpSpPr>
+      <p:pic>
+        <p:nvPicPr>
+          <p:cNvPr id="2019093642" name=""/>
+          <p:cNvPicPr>
+            <a:picLocks noChangeAspect="1"/>
+          </p:cNvPicPr>
+          <p:nvPr/>
+        </p:nvPicPr>
+        <p:blipFill>
+          <a:blip r:embed="rId2"/>
+          <a:stretch/>
+        </p:blipFill>
+        <p:spPr bwMode="auto">
+          <a:xfrm rot="0" flipH="0" flipV="0">
+            <a:off x="3074400" y="2700000"/>
+            <a:ext cx="4651199" cy="5400000"/>
+          </a:xfrm>
+          <a:prstGeom prst="rect">
+            <a:avLst/>
+          </a:prstGeom>
+        </p:spPr>
+      </p:pic>
+    </p:spTree>
+  </p:cSld>
+  <p:clrMapOvr>
+    <a:masterClrMapping/>
+  </p:clrMapOvr>
+  <mc:AlternateContent xmlns:mc="http://schemas.openxmlformats.org/markup-compatibility/2006">
+    <mc:Choice xmlns:p14="http://schemas.microsoft.com/office/powerpoint/2010/main" Requires="p14">
+      <p:transition p14:dur="2000" advClick="1"/>
+    </mc:Choice>
+    <mc:Fallback>
+      <p:transition advClick="1"/>
+    </mc:Fallback>
+  </mc:AlternateContent>
+</p:sld>
+</file>
+
+<file path=ppt/slides/slide11.xml><?xml version="1.0" encoding="utf-8"?>
+<p:sld xmlns:a="http://schemas.openxmlformats.org/drawingml/2006/main" xmlns:r="http://schemas.openxmlformats.org/officeDocument/2006/relationships" xmlns:p="http://schemas.openxmlformats.org/presentationml/2006/main" xmlns:m="http://schemas.openxmlformats.org/officeDocument/2006/math" xmlns:w="http://schemas.openxmlformats.org/wordprocessingml/2006/main" showMasterPhAnim="0" show="1">
+  <p:cSld name="">
+    <p:bg>
+      <p:bgPr shadeToTitle="0">
+        <a:solidFill>
+          <a:srgbClr val="D9B593"/>
+        </a:solidFill>
+      </p:bgPr>
+    </p:bg>
+    <p:spTree>
+      <p:nvGrpSpPr>
+        <p:cNvPr id="1" name=""/>
+        <p:cNvGrpSpPr/>
+        <p:nvPr/>
+      </p:nvGrpSpPr>
+      <p:grpSpPr bwMode="auto">
+        <a:xfrm>
+          <a:off x="0" y="0"/>
+          <a:ext cx="0" cy="0"/>
+          <a:chOff x="0" y="0"/>
+          <a:chExt cx="0" cy="0"/>
+        </a:xfrm>
+      </p:grpSpPr>
+      <p:pic>
+        <p:nvPicPr>
+          <p:cNvPr id="780611354" name=""/>
+          <p:cNvPicPr>
+            <a:picLocks noChangeAspect="1"/>
+          </p:cNvPicPr>
+          <p:nvPr/>
+        </p:nvPicPr>
+        <p:blipFill>
+          <a:blip r:embed="rId2"/>
+          <a:stretch/>
+        </p:blipFill>
+        <p:spPr bwMode="auto">
+          <a:xfrm rot="0" flipH="0" flipV="0">
+            <a:off x="1524599" y="900000"/>
+            <a:ext cx="7750800" cy="9000000"/>
+          </a:xfrm>
+          <a:prstGeom prst="rect">
+            <a:avLst/>
+          </a:prstGeom>
+        </p:spPr>
+      </p:pic>
+    </p:spTree>
+  </p:cSld>
+  <p:clrMapOvr>
+    <a:masterClrMapping/>
+  </p:clrMapOvr>
+  <mc:AlternateContent xmlns:mc="http://schemas.openxmlformats.org/markup-compatibility/2006">
+    <mc:Choice xmlns:p14="http://schemas.microsoft.com/office/powerpoint/2010/main" Requires="p14">
+      <p:transition p14:dur="2000" advClick="1"/>
+    </mc:Choice>
+    <mc:Fallback>
+      <p:transition advClick="1"/>
+    </mc:Fallback>
+  </mc:AlternateContent>
+</p:sld>
+</file>
+
+<file path=ppt/slides/slide12.xml><?xml version="1.0" encoding="utf-8"?>
+<p:sld xmlns:a="http://schemas.openxmlformats.org/drawingml/2006/main" xmlns:r="http://schemas.openxmlformats.org/officeDocument/2006/relationships" xmlns:p="http://schemas.openxmlformats.org/presentationml/2006/main" xmlns:m="http://schemas.openxmlformats.org/officeDocument/2006/math" xmlns:w="http://schemas.openxmlformats.org/wordprocessingml/2006/main" showMasterPhAnim="0" show="1">
+  <p:cSld name="">
+    <p:bg>
+      <p:bgPr shadeToTitle="0">
+        <a:solidFill>
+          <a:srgbClr val="7E4A3F"/>
+        </a:solidFill>
+      </p:bgPr>
+    </p:bg>
+    <p:spTree>
+      <p:nvGrpSpPr>
+        <p:cNvPr id="1" name=""/>
+        <p:cNvGrpSpPr/>
+        <p:nvPr/>
+      </p:nvGrpSpPr>
+      <p:grpSpPr bwMode="auto">
+        <a:xfrm>
+          <a:off x="0" y="0"/>
+          <a:ext cx="0" cy="0"/>
+          <a:chOff x="0" y="0"/>
+          <a:chExt cx="0" cy="0"/>
+        </a:xfrm>
+      </p:grpSpPr>
+      <p:pic>
+        <p:nvPicPr>
+          <p:cNvPr id="595831495" name=""/>
+          <p:cNvPicPr>
+            <a:picLocks noChangeAspect="1"/>
+          </p:cNvPicPr>
+          <p:nvPr/>
+        </p:nvPicPr>
+        <p:blipFill>
+          <a:blip r:embed="rId2"/>
+          <a:stretch/>
+        </p:blipFill>
+        <p:spPr bwMode="auto">
+          <a:xfrm rot="0" flipH="0" flipV="0">
+            <a:off x="1524598" y="900000"/>
+            <a:ext cx="7750800" cy="9000000"/>
+          </a:xfrm>
+          <a:prstGeom prst="rect">
+            <a:avLst/>
+          </a:prstGeom>
+        </p:spPr>
+      </p:pic>
+    </p:spTree>
+  </p:cSld>
+  <p:clrMapOvr>
+    <a:masterClrMapping/>
+  </p:clrMapOvr>
+  <mc:AlternateContent xmlns:mc="http://schemas.openxmlformats.org/markup-compatibility/2006">
+    <mc:Choice xmlns:p14="http://schemas.microsoft.com/office/powerpoint/2010/main" Requires="p14">
+      <p:transition p14:dur="2000" advClick="1"/>
+    </mc:Choice>
+    <mc:Fallback>
+      <p:transition advClick="1"/>
+    </mc:Fallback>
+  </mc:AlternateContent>
+</p:sld>
+</file>
+
+<file path=ppt/slides/slide13.xml><?xml version="1.0" encoding="utf-8"?>
+<p:sld xmlns:a="http://schemas.openxmlformats.org/drawingml/2006/main" xmlns:r="http://schemas.openxmlformats.org/officeDocument/2006/relationships" xmlns:p="http://schemas.openxmlformats.org/presentationml/2006/main" xmlns:m="http://schemas.openxmlformats.org/officeDocument/2006/math" xmlns:w="http://schemas.openxmlformats.org/wordprocessingml/2006/main" showMasterPhAnim="0" show="1">
+  <p:cSld name="">
+    <p:bg>
+      <p:bgPr shadeToTitle="0">
+        <a:solidFill>
+          <a:srgbClr val="D9B593"/>
+        </a:solidFill>
+      </p:bgPr>
+    </p:bg>
+    <p:spTree>
+      <p:nvGrpSpPr>
+        <p:cNvPr id="1" name=""/>
+        <p:cNvGrpSpPr/>
+        <p:nvPr/>
+      </p:nvGrpSpPr>
+      <p:grpSpPr bwMode="auto">
+        <a:xfrm>
+          <a:off x="0" y="0"/>
+          <a:ext cx="0" cy="0"/>
+          <a:chOff x="0" y="0"/>
+          <a:chExt cx="0" cy="0"/>
+        </a:xfrm>
+      </p:grpSpPr>
+      <p:pic>
+        <p:nvPicPr>
+          <p:cNvPr id="2133752144" name=""/>
+          <p:cNvPicPr>
+            <a:picLocks noChangeAspect="1"/>
+          </p:cNvPicPr>
+          <p:nvPr/>
+        </p:nvPicPr>
+        <p:blipFill>
+          <a:blip r:embed="rId2"/>
+          <a:stretch/>
+        </p:blipFill>
+        <p:spPr bwMode="auto">
+          <a:xfrm rot="0" flipH="0" flipV="0">
+            <a:off x="748800" y="0"/>
+            <a:ext cx="9302399" cy="10800000"/>
+          </a:xfrm>
+          <a:prstGeom prst="rect">
+            <a:avLst/>
+          </a:prstGeom>
+        </p:spPr>
+      </p:pic>
+    </p:spTree>
+  </p:cSld>
+  <p:clrMapOvr>
+    <a:masterClrMapping/>
+  </p:clrMapOvr>
+  <mc:AlternateContent xmlns:mc="http://schemas.openxmlformats.org/markup-compatibility/2006">
+    <mc:Choice xmlns:p14="http://schemas.microsoft.com/office/powerpoint/2010/main" Requires="p14">
+      <p:transition p14:dur="2000" advClick="1"/>
+    </mc:Choice>
+    <mc:Fallback>
+      <p:transition advClick="1"/>
+    </mc:Fallback>
+  </mc:AlternateContent>
+</p:sld>
+</file>
+
+<file path=ppt/slides/slide14.xml><?xml version="1.0" encoding="utf-8"?>
+<p:sld xmlns:a="http://schemas.openxmlformats.org/drawingml/2006/main" xmlns:r="http://schemas.openxmlformats.org/officeDocument/2006/relationships" xmlns:p="http://schemas.openxmlformats.org/presentationml/2006/main" xmlns:m="http://schemas.openxmlformats.org/officeDocument/2006/math" xmlns:w="http://schemas.openxmlformats.org/wordprocessingml/2006/main" showMasterPhAnim="0" show="1">
+  <p:cSld name="">
+    <p:bg>
+      <p:bgPr shadeToTitle="0">
+        <a:solidFill>
+          <a:srgbClr val="7E4A3F"/>
+        </a:solidFill>
+      </p:bgPr>
+    </p:bg>
+    <p:spTree>
+      <p:nvGrpSpPr>
+        <p:cNvPr id="1" name=""/>
+        <p:cNvGrpSpPr/>
+        <p:nvPr/>
+      </p:nvGrpSpPr>
+      <p:grpSpPr bwMode="auto">
+        <a:xfrm>
+          <a:off x="0" y="0"/>
+          <a:ext cx="0" cy="0"/>
+          <a:chOff x="0" y="0"/>
+          <a:chExt cx="0" cy="0"/>
+        </a:xfrm>
+      </p:grpSpPr>
+      <p:pic>
+        <p:nvPicPr>
+          <p:cNvPr id="2129464942" name=""/>
+          <p:cNvPicPr>
+            <a:picLocks noChangeAspect="1"/>
+          </p:cNvPicPr>
+          <p:nvPr/>
+        </p:nvPicPr>
+        <p:blipFill>
+          <a:blip r:embed="rId2"/>
+          <a:stretch/>
+        </p:blipFill>
+        <p:spPr bwMode="auto">
+          <a:xfrm rot="0" flipH="0" flipV="0">
+            <a:off x="748800" y="0"/>
+            <a:ext cx="9302399" cy="10800000"/>
+          </a:xfrm>
+          <a:prstGeom prst="rect">
+            <a:avLst/>
+          </a:prstGeom>
+        </p:spPr>
+      </p:pic>
     </p:spTree>
   </p:cSld>
   <p:clrMapOvr>
@@ -3638,6 +3954,68 @@
 </p:sld>
 </file>
 
+<file path=ppt/slides/slide9.xml><?xml version="1.0" encoding="utf-8"?>
+<p:sld xmlns:a="http://schemas.openxmlformats.org/drawingml/2006/main" xmlns:r="http://schemas.openxmlformats.org/officeDocument/2006/relationships" xmlns:p="http://schemas.openxmlformats.org/presentationml/2006/main" xmlns:m="http://schemas.openxmlformats.org/officeDocument/2006/math" xmlns:w="http://schemas.openxmlformats.org/wordprocessingml/2006/main" showMasterPhAnim="0" show="1">
+  <p:cSld name="">
+    <p:bg>
+      <p:bgPr shadeToTitle="0">
+        <a:solidFill>
+          <a:srgbClr val="D9B593"/>
+        </a:solidFill>
+      </p:bgPr>
+    </p:bg>
+    <p:spTree>
+      <p:nvGrpSpPr>
+        <p:cNvPr id="1" name=""/>
+        <p:cNvGrpSpPr/>
+        <p:nvPr/>
+      </p:nvGrpSpPr>
+      <p:grpSpPr bwMode="auto">
+        <a:xfrm>
+          <a:off x="0" y="0"/>
+          <a:ext cx="0" cy="0"/>
+          <a:chOff x="0" y="0"/>
+          <a:chExt cx="0" cy="0"/>
+        </a:xfrm>
+      </p:grpSpPr>
+      <p:pic>
+        <p:nvPicPr>
+          <p:cNvPr id="617425790" name=""/>
+          <p:cNvPicPr>
+            <a:picLocks noChangeAspect="1"/>
+          </p:cNvPicPr>
+          <p:nvPr/>
+        </p:nvPicPr>
+        <p:blipFill>
+          <a:blip r:embed="rId2"/>
+          <a:stretch/>
+        </p:blipFill>
+        <p:spPr bwMode="auto">
+          <a:xfrm rot="0" flipH="0" flipV="0">
+            <a:off x="3074400" y="2700000"/>
+            <a:ext cx="4651199" cy="5400000"/>
+          </a:xfrm>
+          <a:prstGeom prst="rect">
+            <a:avLst/>
+          </a:prstGeom>
+        </p:spPr>
+      </p:pic>
+    </p:spTree>
+  </p:cSld>
+  <p:clrMapOvr>
+    <a:masterClrMapping/>
+  </p:clrMapOvr>
+  <mc:AlternateContent xmlns:mc="http://schemas.openxmlformats.org/markup-compatibility/2006">
+    <mc:Choice xmlns:p14="http://schemas.microsoft.com/office/powerpoint/2010/main" Requires="p14">
+      <p:transition p14:dur="2000" advClick="1"/>
+    </mc:Choice>
+    <mc:Fallback>
+      <p:transition advClick="1"/>
+    </mc:Fallback>
+  </mc:AlternateContent>
+</p:sld>
+</file>
+
 <file path=ppt/theme/theme1.xml><?xml version="1.0" encoding="utf-8"?>
 <a:theme xmlns:a="http://schemas.openxmlformats.org/drawingml/2006/main" xmlns:r="http://schemas.openxmlformats.org/officeDocument/2006/relationships" xmlns:p="http://schemas.openxmlformats.org/presentationml/2006/main" name="Office Theme">
   <a:themeElements>
